--- a/Presentation/presentationSmartHealth.pptx
+++ b/Presentation/presentationSmartHealth.pptx
@@ -231,7 +231,7 @@
           <a:p>
             <a:fld id="{35D72536-C91D-4D81-869C-0013A7359684}" type="datetimeFigureOut">
               <a:rPr lang="en-US" smtClean="0"/>
-              <a:t>6/1/2016</a:t>
+              <a:t>6/2/2016</a:t>
             </a:fld>
             <a:endParaRPr lang="en-US"/>
           </a:p>
@@ -2731,7 +2731,7 @@
           <a:p>
             <a:fld id="{C8B07B57-E84C-4B9E-BD52-34ADD31C8206}" type="datetime1">
               <a:rPr lang="en-US" smtClean="0"/>
-              <a:t>6/1/2016</a:t>
+              <a:t>6/2/2016</a:t>
             </a:fld>
             <a:endParaRPr lang="en-US"/>
           </a:p>
@@ -2902,7 +2902,7 @@
           <a:p>
             <a:fld id="{2146D4BF-1F9B-45EC-AD07-8741C46B88FC}" type="datetime1">
               <a:rPr lang="en-US" smtClean="0"/>
-              <a:t>6/1/2016</a:t>
+              <a:t>6/2/2016</a:t>
             </a:fld>
             <a:endParaRPr lang="en-US"/>
           </a:p>
@@ -3083,7 +3083,7 @@
           <a:p>
             <a:fld id="{DEA6C67D-7664-4B95-8B02-5CAF71C19A57}" type="datetime1">
               <a:rPr lang="en-US" smtClean="0"/>
-              <a:t>6/1/2016</a:t>
+              <a:t>6/2/2016</a:t>
             </a:fld>
             <a:endParaRPr lang="en-US"/>
           </a:p>
@@ -3254,7 +3254,7 @@
           <a:p>
             <a:fld id="{E4C8CB83-A1F0-45C0-B5D9-D36604AD3C8E}" type="datetime1">
               <a:rPr lang="en-US" smtClean="0"/>
-              <a:t>6/1/2016</a:t>
+              <a:t>6/2/2016</a:t>
             </a:fld>
             <a:endParaRPr lang="en-US"/>
           </a:p>
@@ -3501,7 +3501,7 @@
           <a:p>
             <a:fld id="{5DCFCB1F-D29C-46E8-829E-6B7A28C4D403}" type="datetime1">
               <a:rPr lang="en-US" smtClean="0"/>
-              <a:t>6/1/2016</a:t>
+              <a:t>6/2/2016</a:t>
             </a:fld>
             <a:endParaRPr lang="en-US"/>
           </a:p>
@@ -3790,7 +3790,7 @@
           <a:p>
             <a:fld id="{4A203809-8265-4CB1-84EF-F22F235A71BA}" type="datetime1">
               <a:rPr lang="en-US" smtClean="0"/>
-              <a:t>6/1/2016</a:t>
+              <a:t>6/2/2016</a:t>
             </a:fld>
             <a:endParaRPr lang="en-US"/>
           </a:p>
@@ -4213,7 +4213,7 @@
           <a:p>
             <a:fld id="{D9E143C1-BFB7-460E-8E47-0371E08C06FF}" type="datetime1">
               <a:rPr lang="en-US" smtClean="0"/>
-              <a:t>6/1/2016</a:t>
+              <a:t>6/2/2016</a:t>
             </a:fld>
             <a:endParaRPr lang="en-US"/>
           </a:p>
@@ -4332,7 +4332,7 @@
           <a:p>
             <a:fld id="{A79CBA6B-9A0B-4D77-B294-3E82595E70C0}" type="datetime1">
               <a:rPr lang="en-US" smtClean="0"/>
-              <a:t>6/1/2016</a:t>
+              <a:t>6/2/2016</a:t>
             </a:fld>
             <a:endParaRPr lang="en-US"/>
           </a:p>
@@ -4428,7 +4428,7 @@
           <a:p>
             <a:fld id="{0D74E58E-9BC2-4E6C-BE4A-6CB4AA157A39}" type="datetime1">
               <a:rPr lang="en-US" smtClean="0"/>
-              <a:t>6/1/2016</a:t>
+              <a:t>6/2/2016</a:t>
             </a:fld>
             <a:endParaRPr lang="en-US"/>
           </a:p>
@@ -4706,7 +4706,7 @@
           <a:p>
             <a:fld id="{39DE1127-07F6-4045-BE9A-DAA3059B885D}" type="datetime1">
               <a:rPr lang="en-US" smtClean="0"/>
-              <a:t>6/1/2016</a:t>
+              <a:t>6/2/2016</a:t>
             </a:fld>
             <a:endParaRPr lang="en-US"/>
           </a:p>
@@ -4964,7 +4964,7 @@
           <a:p>
             <a:fld id="{75F161C7-3BDB-4B92-808A-B042433A9547}" type="datetime1">
               <a:rPr lang="en-US" smtClean="0"/>
-              <a:t>6/1/2016</a:t>
+              <a:t>6/2/2016</a:t>
             </a:fld>
             <a:endParaRPr lang="en-US"/>
           </a:p>
@@ -5178,7 +5178,7 @@
           <a:p>
             <a:fld id="{DAB947F8-6B48-4EAA-B7D2-456F8D36A871}" type="datetime1">
               <a:rPr lang="en-US" smtClean="0"/>
-              <a:t>6/1/2016</a:t>
+              <a:t>6/2/2016</a:t>
             </a:fld>
             <a:endParaRPr lang="en-US"/>
           </a:p>
@@ -17206,7 +17206,19 @@
                 </a:solidFill>
                 <a:latin typeface="Corbel" pitchFamily="34" charset="0"/>
               </a:rPr>
-              <a:t>Sécurité et vie privée</a:t>
+              <a:t>Qualité de service - </a:t>
+            </a:r>
+            <a:r>
+              <a:rPr lang="fr-FR" sz="3600" dirty="0" err="1">
+                <a:solidFill>
+                  <a:prstClr val="black">
+                    <a:lumMod val="50000"/>
+                    <a:lumOff val="50000"/>
+                  </a:prstClr>
+                </a:solidFill>
+                <a:latin typeface="Corbel" pitchFamily="34" charset="0"/>
+              </a:rPr>
+              <a:t>QoS</a:t>
             </a:r>
             <a:endParaRPr lang="fr-FR" sz="2200" dirty="0">
               <a:solidFill>
@@ -22948,7 +22960,7 @@
               <a:buNone/>
             </a:pPr>
             <a:r>
-              <a:rPr lang="fr-FR" sz="3600" dirty="0" smtClean="0">
+              <a:rPr lang="fr-FR" sz="3600" dirty="0">
                 <a:solidFill>
                   <a:prstClr val="black">
                     <a:lumMod val="50000"/>
@@ -22957,19 +22969,7 @@
                 </a:solidFill>
                 <a:latin typeface="Corbel" pitchFamily="34" charset="0"/>
               </a:rPr>
-              <a:t>Qualité de service - </a:t>
-            </a:r>
-            <a:r>
-              <a:rPr lang="fr-FR" sz="3600" dirty="0" err="1" smtClean="0">
-                <a:solidFill>
-                  <a:prstClr val="black">
-                    <a:lumMod val="50000"/>
-                    <a:lumOff val="50000"/>
-                  </a:prstClr>
-                </a:solidFill>
-                <a:latin typeface="Corbel" pitchFamily="34" charset="0"/>
-              </a:rPr>
-              <a:t>QoS</a:t>
+              <a:t>Sécurité et vie privée</a:t>
             </a:r>
             <a:endParaRPr lang="fr-FR" sz="2200" dirty="0">
               <a:solidFill>
@@ -26936,7 +26936,7 @@
           <a:noFill/>
           <a:extLst>
             <a:ext uri="{909E8E84-426E-40dd-AFC4-6F175D3DCCD1}">
-              <a14:hiddenFill xmlns:a14="http://schemas.microsoft.com/office/drawing/2010/main" xmlns="">
+              <a14:hiddenFill xmlns="" xmlns:a14="http://schemas.microsoft.com/office/drawing/2010/main">
                 <a:solidFill>
                   <a:srgbClr val="FFFFFF"/>
                 </a:solidFill>
@@ -35492,7 +35492,7 @@
           <a:noFill/>
           <a:extLst>
             <a:ext uri="{909E8E84-426E-40dd-AFC4-6F175D3DCCD1}">
-              <a14:hiddenFill xmlns:a14="http://schemas.microsoft.com/office/drawing/2010/main" xmlns="">
+              <a14:hiddenFill xmlns="" xmlns:a14="http://schemas.microsoft.com/office/drawing/2010/main">
                 <a:solidFill>
                   <a:srgbClr val="FFFFFF"/>
                 </a:solidFill>
